--- a/IROS17/pictures/pdf/driftmoveFullRes.pptx
+++ b/IROS17/pictures/pdf/driftmoveFullRes.pptx
@@ -288,7 +288,7 @@
           <a:p>
             <a:fld id="{2ECC5DDF-89BA-FF4F-A8D3-F81D48191EB2}" type="datetimeFigureOut">
               <a:rPr lang="en-US" smtClean="0"/>
-              <a:t>8/31/16</a:t>
+              <a:t>2/25/17</a:t>
             </a:fld>
             <a:endParaRPr lang="en-US"/>
           </a:p>
@@ -458,7 +458,7 @@
           <a:p>
             <a:fld id="{2ECC5DDF-89BA-FF4F-A8D3-F81D48191EB2}" type="datetimeFigureOut">
               <a:rPr lang="en-US" smtClean="0"/>
-              <a:t>8/31/16</a:t>
+              <a:t>2/25/17</a:t>
             </a:fld>
             <a:endParaRPr lang="en-US"/>
           </a:p>
@@ -638,7 +638,7 @@
           <a:p>
             <a:fld id="{2ECC5DDF-89BA-FF4F-A8D3-F81D48191EB2}" type="datetimeFigureOut">
               <a:rPr lang="en-US" smtClean="0"/>
-              <a:t>8/31/16</a:t>
+              <a:t>2/25/17</a:t>
             </a:fld>
             <a:endParaRPr lang="en-US"/>
           </a:p>
@@ -808,7 +808,7 @@
           <a:p>
             <a:fld id="{2ECC5DDF-89BA-FF4F-A8D3-F81D48191EB2}" type="datetimeFigureOut">
               <a:rPr lang="en-US" smtClean="0"/>
-              <a:t>8/31/16</a:t>
+              <a:t>2/25/17</a:t>
             </a:fld>
             <a:endParaRPr lang="en-US"/>
           </a:p>
@@ -1054,7 +1054,7 @@
           <a:p>
             <a:fld id="{2ECC5DDF-89BA-FF4F-A8D3-F81D48191EB2}" type="datetimeFigureOut">
               <a:rPr lang="en-US" smtClean="0"/>
-              <a:t>8/31/16</a:t>
+              <a:t>2/25/17</a:t>
             </a:fld>
             <a:endParaRPr lang="en-US"/>
           </a:p>
@@ -1342,7 +1342,7 @@
           <a:p>
             <a:fld id="{2ECC5DDF-89BA-FF4F-A8D3-F81D48191EB2}" type="datetimeFigureOut">
               <a:rPr lang="en-US" smtClean="0"/>
-              <a:t>8/31/16</a:t>
+              <a:t>2/25/17</a:t>
             </a:fld>
             <a:endParaRPr lang="en-US"/>
           </a:p>
@@ -1764,7 +1764,7 @@
           <a:p>
             <a:fld id="{2ECC5DDF-89BA-FF4F-A8D3-F81D48191EB2}" type="datetimeFigureOut">
               <a:rPr lang="en-US" smtClean="0"/>
-              <a:t>8/31/16</a:t>
+              <a:t>2/25/17</a:t>
             </a:fld>
             <a:endParaRPr lang="en-US"/>
           </a:p>
@@ -1882,7 +1882,7 @@
           <a:p>
             <a:fld id="{2ECC5DDF-89BA-FF4F-A8D3-F81D48191EB2}" type="datetimeFigureOut">
               <a:rPr lang="en-US" smtClean="0"/>
-              <a:t>8/31/16</a:t>
+              <a:t>2/25/17</a:t>
             </a:fld>
             <a:endParaRPr lang="en-US"/>
           </a:p>
@@ -1977,7 +1977,7 @@
           <a:p>
             <a:fld id="{2ECC5DDF-89BA-FF4F-A8D3-F81D48191EB2}" type="datetimeFigureOut">
               <a:rPr lang="en-US" smtClean="0"/>
-              <a:t>8/31/16</a:t>
+              <a:t>2/25/17</a:t>
             </a:fld>
             <a:endParaRPr lang="en-US"/>
           </a:p>
@@ -2254,7 +2254,7 @@
           <a:p>
             <a:fld id="{2ECC5DDF-89BA-FF4F-A8D3-F81D48191EB2}" type="datetimeFigureOut">
               <a:rPr lang="en-US" smtClean="0"/>
-              <a:t>8/31/16</a:t>
+              <a:t>2/25/17</a:t>
             </a:fld>
             <a:endParaRPr lang="en-US"/>
           </a:p>
@@ -2507,7 +2507,7 @@
           <a:p>
             <a:fld id="{2ECC5DDF-89BA-FF4F-A8D3-F81D48191EB2}" type="datetimeFigureOut">
               <a:rPr lang="en-US" smtClean="0"/>
-              <a:t>8/31/16</a:t>
+              <a:t>2/25/17</a:t>
             </a:fld>
             <a:endParaRPr lang="en-US"/>
           </a:p>
@@ -2720,7 +2720,7 @@
           <a:p>
             <a:fld id="{2ECC5DDF-89BA-FF4F-A8D3-F81D48191EB2}" type="datetimeFigureOut">
               <a:rPr lang="en-US" smtClean="0"/>
-              <a:t>8/31/16</a:t>
+              <a:t>2/25/17</a:t>
             </a:fld>
             <a:endParaRPr lang="en-US"/>
           </a:p>
@@ -3095,6 +3095,669 @@
           <a:chExt cx="0" cy="0"/>
         </a:xfrm>
       </p:grpSpPr>
+      <p:grpSp>
+        <p:nvGrpSpPr>
+          <p:cNvPr id="4" name="Group 3"/>
+          <p:cNvGrpSpPr/>
+          <p:nvPr/>
+        </p:nvGrpSpPr>
+        <p:grpSpPr>
+          <a:xfrm>
+            <a:off x="5714135" y="1186765"/>
+            <a:ext cx="3330562" cy="1366896"/>
+            <a:chOff x="5714135" y="1186765"/>
+            <a:chExt cx="3330562" cy="1366896"/>
+          </a:xfrm>
+        </p:grpSpPr>
+        <p:sp>
+          <p:nvSpPr>
+            <p:cNvPr id="99" name="Oval 98"/>
+            <p:cNvSpPr>
+              <a:spLocks noChangeAspect="1"/>
+            </p:cNvSpPr>
+            <p:nvPr/>
+          </p:nvSpPr>
+          <p:spPr>
+            <a:xfrm>
+              <a:off x="6831506" y="1186765"/>
+              <a:ext cx="547910" cy="548640"/>
+            </a:xfrm>
+            <a:prstGeom prst="ellipse">
+              <a:avLst/>
+            </a:prstGeom>
+            <a:solidFill>
+              <a:srgbClr val="FF00FF"/>
+            </a:solidFill>
+            <a:ln>
+              <a:noFill/>
+            </a:ln>
+          </p:spPr>
+          <p:style>
+            <a:lnRef idx="1">
+              <a:schemeClr val="accent1"/>
+            </a:lnRef>
+            <a:fillRef idx="3">
+              <a:schemeClr val="accent1"/>
+            </a:fillRef>
+            <a:effectRef idx="2">
+              <a:schemeClr val="accent1"/>
+            </a:effectRef>
+            <a:fontRef idx="minor">
+              <a:schemeClr val="lt1"/>
+            </a:fontRef>
+          </p:style>
+          <p:txBody>
+            <a:bodyPr rtlCol="0" anchor="ctr"/>
+            <a:lstStyle/>
+            <a:p>
+              <a:pPr algn="ctr"/>
+              <a:endParaRPr lang="en-US" sz="3200"/>
+            </a:p>
+          </p:txBody>
+        </p:sp>
+        <p:sp>
+          <p:nvSpPr>
+            <p:cNvPr id="96" name="Oval 95"/>
+            <p:cNvSpPr>
+              <a:spLocks noChangeAspect="1"/>
+            </p:cNvSpPr>
+            <p:nvPr/>
+          </p:nvSpPr>
+          <p:spPr>
+            <a:xfrm>
+              <a:off x="5714135" y="1186765"/>
+              <a:ext cx="547910" cy="548640"/>
+            </a:xfrm>
+            <a:prstGeom prst="ellipse">
+              <a:avLst/>
+            </a:prstGeom>
+            <a:solidFill>
+              <a:srgbClr val="FFC9FF"/>
+            </a:solidFill>
+            <a:ln>
+              <a:noFill/>
+            </a:ln>
+          </p:spPr>
+          <p:style>
+            <a:lnRef idx="1">
+              <a:schemeClr val="accent1"/>
+            </a:lnRef>
+            <a:fillRef idx="3">
+              <a:schemeClr val="accent1"/>
+            </a:fillRef>
+            <a:effectRef idx="2">
+              <a:schemeClr val="accent1"/>
+            </a:effectRef>
+            <a:fontRef idx="minor">
+              <a:schemeClr val="lt1"/>
+            </a:fontRef>
+          </p:style>
+          <p:txBody>
+            <a:bodyPr rtlCol="0" anchor="ctr"/>
+            <a:lstStyle/>
+            <a:p>
+              <a:pPr algn="ctr"/>
+              <a:endParaRPr lang="en-US" sz="3200"/>
+            </a:p>
+          </p:txBody>
+        </p:sp>
+        <p:sp>
+          <p:nvSpPr>
+            <p:cNvPr id="97" name="Oval 96"/>
+            <p:cNvSpPr>
+              <a:spLocks noChangeAspect="1"/>
+            </p:cNvSpPr>
+            <p:nvPr/>
+          </p:nvSpPr>
+          <p:spPr>
+            <a:xfrm>
+              <a:off x="7105461" y="2005021"/>
+              <a:ext cx="547910" cy="548640"/>
+            </a:xfrm>
+            <a:prstGeom prst="ellipse">
+              <a:avLst/>
+            </a:prstGeom>
+            <a:solidFill>
+              <a:srgbClr val="FE96FF"/>
+            </a:solidFill>
+            <a:ln>
+              <a:noFill/>
+            </a:ln>
+          </p:spPr>
+          <p:style>
+            <a:lnRef idx="1">
+              <a:schemeClr val="accent1"/>
+            </a:lnRef>
+            <a:fillRef idx="3">
+              <a:schemeClr val="accent1"/>
+            </a:fillRef>
+            <a:effectRef idx="2">
+              <a:schemeClr val="accent1"/>
+            </a:effectRef>
+            <a:fontRef idx="minor">
+              <a:schemeClr val="lt1"/>
+            </a:fontRef>
+          </p:style>
+          <p:txBody>
+            <a:bodyPr rtlCol="0" anchor="ctr"/>
+            <a:lstStyle/>
+            <a:p>
+              <a:pPr algn="ctr"/>
+              <a:endParaRPr lang="en-US" sz="3200"/>
+            </a:p>
+          </p:txBody>
+        </p:sp>
+        <p:sp>
+          <p:nvSpPr>
+            <p:cNvPr id="98" name="Oval 97"/>
+            <p:cNvSpPr>
+              <a:spLocks noChangeAspect="1"/>
+            </p:cNvSpPr>
+            <p:nvPr/>
+          </p:nvSpPr>
+          <p:spPr>
+            <a:xfrm>
+              <a:off x="8496787" y="1186765"/>
+              <a:ext cx="547910" cy="548640"/>
+            </a:xfrm>
+            <a:prstGeom prst="ellipse">
+              <a:avLst/>
+            </a:prstGeom>
+            <a:solidFill>
+              <a:srgbClr val="FF63EF"/>
+            </a:solidFill>
+            <a:ln>
+              <a:solidFill>
+                <a:srgbClr val="FF4AEC"/>
+              </a:solidFill>
+            </a:ln>
+          </p:spPr>
+          <p:style>
+            <a:lnRef idx="1">
+              <a:schemeClr val="accent1"/>
+            </a:lnRef>
+            <a:fillRef idx="3">
+              <a:schemeClr val="accent1"/>
+            </a:fillRef>
+            <a:effectRef idx="2">
+              <a:schemeClr val="accent1"/>
+            </a:effectRef>
+            <a:fontRef idx="minor">
+              <a:schemeClr val="lt1"/>
+            </a:fontRef>
+          </p:style>
+          <p:txBody>
+            <a:bodyPr rtlCol="0" anchor="ctr"/>
+            <a:lstStyle/>
+            <a:p>
+              <a:pPr algn="ctr"/>
+              <a:endParaRPr lang="en-US" sz="3200"/>
+            </a:p>
+          </p:txBody>
+        </p:sp>
+      </p:grpSp>
+      <p:grpSp>
+        <p:nvGrpSpPr>
+          <p:cNvPr id="3" name="Group 2"/>
+          <p:cNvGrpSpPr/>
+          <p:nvPr/>
+        </p:nvGrpSpPr>
+        <p:grpSpPr>
+          <a:xfrm>
+            <a:off x="3415475" y="317457"/>
+            <a:ext cx="3327347" cy="1358855"/>
+            <a:chOff x="3415475" y="317457"/>
+            <a:chExt cx="3327347" cy="1358855"/>
+          </a:xfrm>
+        </p:grpSpPr>
+        <p:sp>
+          <p:nvSpPr>
+            <p:cNvPr id="100" name="Oval 99"/>
+            <p:cNvSpPr>
+              <a:spLocks noChangeAspect="1"/>
+            </p:cNvSpPr>
+            <p:nvPr/>
+          </p:nvSpPr>
+          <p:spPr>
+            <a:xfrm>
+              <a:off x="6194912" y="317457"/>
+              <a:ext cx="547910" cy="548640"/>
+            </a:xfrm>
+            <a:prstGeom prst="ellipse">
+              <a:avLst/>
+            </a:prstGeom>
+            <a:solidFill>
+              <a:srgbClr val="0000FF"/>
+            </a:solidFill>
+            <a:ln>
+              <a:noFill/>
+            </a:ln>
+          </p:spPr>
+          <p:style>
+            <a:lnRef idx="1">
+              <a:schemeClr val="accent1"/>
+            </a:lnRef>
+            <a:fillRef idx="3">
+              <a:schemeClr val="accent1"/>
+            </a:fillRef>
+            <a:effectRef idx="2">
+              <a:schemeClr val="accent1"/>
+            </a:effectRef>
+            <a:fontRef idx="minor">
+              <a:schemeClr val="lt1"/>
+            </a:fontRef>
+          </p:style>
+          <p:txBody>
+            <a:bodyPr rtlCol="0" anchor="ctr"/>
+            <a:lstStyle/>
+            <a:p>
+              <a:pPr algn="ctr"/>
+              <a:endParaRPr lang="en-US" sz="3200"/>
+            </a:p>
+          </p:txBody>
+        </p:sp>
+        <p:sp>
+          <p:nvSpPr>
+            <p:cNvPr id="101" name="Oval 100"/>
+            <p:cNvSpPr>
+              <a:spLocks noChangeAspect="1"/>
+            </p:cNvSpPr>
+            <p:nvPr/>
+          </p:nvSpPr>
+          <p:spPr>
+            <a:xfrm>
+              <a:off x="3415475" y="317457"/>
+              <a:ext cx="547910" cy="548640"/>
+            </a:xfrm>
+            <a:prstGeom prst="ellipse">
+              <a:avLst/>
+            </a:prstGeom>
+            <a:solidFill>
+              <a:srgbClr val="C5C9FF"/>
+            </a:solidFill>
+            <a:ln>
+              <a:noFill/>
+            </a:ln>
+          </p:spPr>
+          <p:style>
+            <a:lnRef idx="1">
+              <a:schemeClr val="accent1"/>
+            </a:lnRef>
+            <a:fillRef idx="3">
+              <a:schemeClr val="accent1"/>
+            </a:fillRef>
+            <a:effectRef idx="2">
+              <a:schemeClr val="accent1"/>
+            </a:effectRef>
+            <a:fontRef idx="minor">
+              <a:schemeClr val="lt1"/>
+            </a:fontRef>
+          </p:style>
+          <p:txBody>
+            <a:bodyPr rtlCol="0" anchor="ctr"/>
+            <a:lstStyle/>
+            <a:p>
+              <a:pPr algn="ctr"/>
+              <a:endParaRPr lang="en-US" sz="3200"/>
+            </a:p>
+          </p:txBody>
+        </p:sp>
+        <p:sp>
+          <p:nvSpPr>
+            <p:cNvPr id="102" name="Oval 101"/>
+            <p:cNvSpPr>
+              <a:spLocks noChangeAspect="1"/>
+            </p:cNvSpPr>
+            <p:nvPr/>
+          </p:nvSpPr>
+          <p:spPr>
+            <a:xfrm>
+              <a:off x="4803586" y="1127672"/>
+              <a:ext cx="547910" cy="548640"/>
+            </a:xfrm>
+            <a:prstGeom prst="ellipse">
+              <a:avLst/>
+            </a:prstGeom>
+            <a:solidFill>
+              <a:srgbClr val="686BFF"/>
+            </a:solidFill>
+            <a:ln>
+              <a:noFill/>
+            </a:ln>
+          </p:spPr>
+          <p:style>
+            <a:lnRef idx="1">
+              <a:schemeClr val="accent1"/>
+            </a:lnRef>
+            <a:fillRef idx="3">
+              <a:schemeClr val="accent1"/>
+            </a:fillRef>
+            <a:effectRef idx="2">
+              <a:schemeClr val="accent1"/>
+            </a:effectRef>
+            <a:fontRef idx="minor">
+              <a:schemeClr val="lt1"/>
+            </a:fontRef>
+          </p:style>
+          <p:txBody>
+            <a:bodyPr rtlCol="0" anchor="ctr"/>
+            <a:lstStyle/>
+            <a:p>
+              <a:pPr algn="ctr"/>
+              <a:endParaRPr lang="en-US" sz="3200"/>
+            </a:p>
+          </p:txBody>
+        </p:sp>
+      </p:grpSp>
+      <p:grpSp>
+        <p:nvGrpSpPr>
+          <p:cNvPr id="2" name="Group 1"/>
+          <p:cNvGrpSpPr/>
+          <p:nvPr/>
+        </p:nvGrpSpPr>
+        <p:grpSpPr>
+          <a:xfrm>
+            <a:off x="3463100" y="251828"/>
+            <a:ext cx="6267397" cy="2301833"/>
+            <a:chOff x="3463100" y="251828"/>
+            <a:chExt cx="6267397" cy="2301833"/>
+          </a:xfrm>
+        </p:grpSpPr>
+        <p:sp>
+          <p:nvSpPr>
+            <p:cNvPr id="115" name="TextBox 114"/>
+            <p:cNvSpPr txBox="1"/>
+            <p:nvPr/>
+          </p:nvSpPr>
+          <p:spPr>
+            <a:xfrm>
+              <a:off x="6895911" y="1131332"/>
+              <a:ext cx="1181100" cy="584776"/>
+            </a:xfrm>
+            <a:prstGeom prst="rect">
+              <a:avLst/>
+            </a:prstGeom>
+            <a:noFill/>
+          </p:spPr>
+          <p:txBody>
+            <a:bodyPr wrap="square" rtlCol="0">
+              <a:spAutoFit/>
+            </a:bodyPr>
+            <a:lstStyle/>
+            <a:p>
+              <a:r>
+                <a:rPr lang="en-US" sz="3200" dirty="0" smtClean="0">
+                  <a:solidFill>
+                    <a:schemeClr val="bg1"/>
+                  </a:solidFill>
+                  <a:latin typeface="Times New Roman"/>
+                  <a:cs typeface="Times New Roman"/>
+                </a:rPr>
+                <a:t>B</a:t>
+              </a:r>
+              <a:endParaRPr lang="en-US" sz="3200" dirty="0">
+                <a:solidFill>
+                  <a:schemeClr val="bg1"/>
+                </a:solidFill>
+                <a:latin typeface="Times New Roman"/>
+                <a:cs typeface="Times New Roman"/>
+              </a:endParaRPr>
+            </a:p>
+          </p:txBody>
+        </p:sp>
+        <p:sp>
+          <p:nvSpPr>
+            <p:cNvPr id="103" name="TextBox 102"/>
+            <p:cNvSpPr txBox="1"/>
+            <p:nvPr/>
+          </p:nvSpPr>
+          <p:spPr>
+            <a:xfrm>
+              <a:off x="3463100" y="252035"/>
+              <a:ext cx="1181100" cy="584776"/>
+            </a:xfrm>
+            <a:prstGeom prst="rect">
+              <a:avLst/>
+            </a:prstGeom>
+            <a:noFill/>
+          </p:spPr>
+          <p:txBody>
+            <a:bodyPr wrap="square" rtlCol="0">
+              <a:spAutoFit/>
+            </a:bodyPr>
+            <a:lstStyle/>
+            <a:p>
+              <a:r>
+                <a:rPr lang="en-US" sz="3200" dirty="0" smtClean="0">
+                  <a:solidFill>
+                    <a:schemeClr val="bg1"/>
+                  </a:solidFill>
+                  <a:latin typeface="Times New Roman"/>
+                  <a:cs typeface="Times New Roman"/>
+                </a:rPr>
+                <a:t>A</a:t>
+              </a:r>
+              <a:endParaRPr lang="en-US" sz="3200" dirty="0">
+                <a:solidFill>
+                  <a:schemeClr val="bg1"/>
+                </a:solidFill>
+                <a:latin typeface="Times New Roman"/>
+                <a:cs typeface="Times New Roman"/>
+              </a:endParaRPr>
+            </a:p>
+          </p:txBody>
+        </p:sp>
+        <p:sp>
+          <p:nvSpPr>
+            <p:cNvPr id="104" name="TextBox 103"/>
+            <p:cNvSpPr txBox="1"/>
+            <p:nvPr/>
+          </p:nvSpPr>
+          <p:spPr>
+            <a:xfrm>
+              <a:off x="4810767" y="1091536"/>
+              <a:ext cx="1181100" cy="584776"/>
+            </a:xfrm>
+            <a:prstGeom prst="rect">
+              <a:avLst/>
+            </a:prstGeom>
+            <a:noFill/>
+          </p:spPr>
+          <p:txBody>
+            <a:bodyPr wrap="square" rtlCol="0">
+              <a:spAutoFit/>
+            </a:bodyPr>
+            <a:lstStyle/>
+            <a:p>
+              <a:r>
+                <a:rPr lang="en-US" sz="3200" dirty="0" smtClean="0">
+                  <a:solidFill>
+                    <a:schemeClr val="bg1"/>
+                  </a:solidFill>
+                  <a:latin typeface="Times New Roman"/>
+                  <a:cs typeface="Times New Roman"/>
+                </a:rPr>
+                <a:t>A</a:t>
+              </a:r>
+              <a:endParaRPr lang="en-US" sz="3200" dirty="0">
+                <a:solidFill>
+                  <a:schemeClr val="bg1"/>
+                </a:solidFill>
+                <a:latin typeface="Times New Roman"/>
+                <a:cs typeface="Times New Roman"/>
+              </a:endParaRPr>
+            </a:p>
+          </p:txBody>
+        </p:sp>
+        <p:sp>
+          <p:nvSpPr>
+            <p:cNvPr id="105" name="TextBox 104"/>
+            <p:cNvSpPr txBox="1"/>
+            <p:nvPr/>
+          </p:nvSpPr>
+          <p:spPr>
+            <a:xfrm>
+              <a:off x="6230295" y="251828"/>
+              <a:ext cx="1181100" cy="584776"/>
+            </a:xfrm>
+            <a:prstGeom prst="rect">
+              <a:avLst/>
+            </a:prstGeom>
+            <a:noFill/>
+          </p:spPr>
+          <p:txBody>
+            <a:bodyPr wrap="square" rtlCol="0">
+              <a:spAutoFit/>
+            </a:bodyPr>
+            <a:lstStyle/>
+            <a:p>
+              <a:r>
+                <a:rPr lang="en-US" sz="3200" dirty="0" smtClean="0">
+                  <a:solidFill>
+                    <a:schemeClr val="bg1"/>
+                  </a:solidFill>
+                  <a:latin typeface="Times New Roman"/>
+                  <a:cs typeface="Times New Roman"/>
+                </a:rPr>
+                <a:t>A</a:t>
+              </a:r>
+              <a:endParaRPr lang="en-US" sz="3200" dirty="0">
+                <a:solidFill>
+                  <a:schemeClr val="bg1"/>
+                </a:solidFill>
+                <a:latin typeface="Times New Roman"/>
+                <a:cs typeface="Times New Roman"/>
+              </a:endParaRPr>
+            </a:p>
+          </p:txBody>
+        </p:sp>
+        <p:sp>
+          <p:nvSpPr>
+            <p:cNvPr id="110" name="TextBox 109"/>
+            <p:cNvSpPr txBox="1"/>
+            <p:nvPr/>
+          </p:nvSpPr>
+          <p:spPr>
+            <a:xfrm>
+              <a:off x="5761760" y="1127672"/>
+              <a:ext cx="1181100" cy="584776"/>
+            </a:xfrm>
+            <a:prstGeom prst="rect">
+              <a:avLst/>
+            </a:prstGeom>
+            <a:noFill/>
+          </p:spPr>
+          <p:txBody>
+            <a:bodyPr wrap="square" rtlCol="0">
+              <a:spAutoFit/>
+            </a:bodyPr>
+            <a:lstStyle/>
+            <a:p>
+              <a:r>
+                <a:rPr lang="en-US" sz="3200" dirty="0" smtClean="0">
+                  <a:solidFill>
+                    <a:schemeClr val="bg1"/>
+                  </a:solidFill>
+                  <a:latin typeface="Times New Roman"/>
+                  <a:cs typeface="Times New Roman"/>
+                </a:rPr>
+                <a:t>B</a:t>
+              </a:r>
+              <a:endParaRPr lang="en-US" sz="3200" dirty="0">
+                <a:solidFill>
+                  <a:schemeClr val="bg1"/>
+                </a:solidFill>
+                <a:latin typeface="Times New Roman"/>
+                <a:cs typeface="Times New Roman"/>
+              </a:endParaRPr>
+            </a:p>
+          </p:txBody>
+        </p:sp>
+        <p:sp>
+          <p:nvSpPr>
+            <p:cNvPr id="111" name="TextBox 110"/>
+            <p:cNvSpPr txBox="1"/>
+            <p:nvPr/>
+          </p:nvSpPr>
+          <p:spPr>
+            <a:xfrm>
+              <a:off x="7148804" y="1968885"/>
+              <a:ext cx="1181100" cy="584776"/>
+            </a:xfrm>
+            <a:prstGeom prst="rect">
+              <a:avLst/>
+            </a:prstGeom>
+            <a:noFill/>
+          </p:spPr>
+          <p:txBody>
+            <a:bodyPr wrap="square" rtlCol="0">
+              <a:spAutoFit/>
+            </a:bodyPr>
+            <a:lstStyle/>
+            <a:p>
+              <a:r>
+                <a:rPr lang="en-US" sz="3200" dirty="0" smtClean="0">
+                  <a:solidFill>
+                    <a:schemeClr val="bg1"/>
+                  </a:solidFill>
+                  <a:latin typeface="Times New Roman"/>
+                  <a:cs typeface="Times New Roman"/>
+                </a:rPr>
+                <a:t>B</a:t>
+              </a:r>
+              <a:endParaRPr lang="en-US" sz="3200" dirty="0">
+                <a:solidFill>
+                  <a:schemeClr val="bg1"/>
+                </a:solidFill>
+                <a:latin typeface="Times New Roman"/>
+                <a:cs typeface="Times New Roman"/>
+              </a:endParaRPr>
+            </a:p>
+          </p:txBody>
+        </p:sp>
+        <p:sp>
+          <p:nvSpPr>
+            <p:cNvPr id="112" name="TextBox 111"/>
+            <p:cNvSpPr txBox="1"/>
+            <p:nvPr/>
+          </p:nvSpPr>
+          <p:spPr>
+            <a:xfrm>
+              <a:off x="8549397" y="1155015"/>
+              <a:ext cx="1181100" cy="584776"/>
+            </a:xfrm>
+            <a:prstGeom prst="rect">
+              <a:avLst/>
+            </a:prstGeom>
+            <a:noFill/>
+          </p:spPr>
+          <p:txBody>
+            <a:bodyPr wrap="square" rtlCol="0">
+              <a:spAutoFit/>
+            </a:bodyPr>
+            <a:lstStyle/>
+            <a:p>
+              <a:r>
+                <a:rPr lang="en-US" sz="3200" dirty="0" smtClean="0">
+                  <a:solidFill>
+                    <a:schemeClr val="bg1"/>
+                  </a:solidFill>
+                  <a:latin typeface="Times New Roman"/>
+                  <a:cs typeface="Times New Roman"/>
+                </a:rPr>
+                <a:t>B</a:t>
+              </a:r>
+              <a:endParaRPr lang="en-US" sz="3200" dirty="0">
+                <a:solidFill>
+                  <a:schemeClr val="bg1"/>
+                </a:solidFill>
+                <a:latin typeface="Times New Roman"/>
+                <a:cs typeface="Times New Roman"/>
+              </a:endParaRPr>
+            </a:p>
+          </p:txBody>
+        </p:sp>
+      </p:grpSp>
       <p:cxnSp>
         <p:nvCxnSpPr>
           <p:cNvPr id="85" name="Straight Arrow Connector 84"/>
@@ -3223,6 +3886,11 @@
               <a:gd name="adj2" fmla="val 50000"/>
             </a:avLst>
           </a:prstGeom>
+          <a:ln>
+            <a:solidFill>
+              <a:srgbClr val="000000"/>
+            </a:solidFill>
+          </a:ln>
         </p:spPr>
         <p:style>
           <a:lnRef idx="2">
@@ -3264,6 +3932,11 @@
               <a:gd name="adj2" fmla="val 50000"/>
             </a:avLst>
           </a:prstGeom>
+          <a:ln>
+            <a:solidFill>
+              <a:srgbClr val="000000"/>
+            </a:solidFill>
+          </a:ln>
         </p:spPr>
         <p:style>
           <a:lnRef idx="2">
@@ -3305,6 +3978,11 @@
               <a:gd name="adj2" fmla="val 50000"/>
             </a:avLst>
           </a:prstGeom>
+          <a:ln>
+            <a:solidFill>
+              <a:srgbClr val="000000"/>
+            </a:solidFill>
+          </a:ln>
         </p:spPr>
         <p:style>
           <a:lnRef idx="2">
@@ -3326,670 +4004,6 @@
           <a:p>
             <a:pPr algn="ctr"/>
             <a:endParaRPr lang="en-US" sz="3200"/>
-          </a:p>
-        </p:txBody>
-      </p:sp>
-      <p:sp>
-        <p:nvSpPr>
-          <p:cNvPr id="91" name="TextBox 90"/>
-          <p:cNvSpPr txBox="1"/>
-          <p:nvPr/>
-        </p:nvSpPr>
-        <p:spPr>
-          <a:xfrm>
-            <a:off x="1308068" y="231352"/>
-            <a:ext cx="476624" cy="584776"/>
-          </a:xfrm>
-          <a:prstGeom prst="rect">
-            <a:avLst/>
-          </a:prstGeom>
-          <a:noFill/>
-        </p:spPr>
-        <p:txBody>
-          <a:bodyPr wrap="square" rtlCol="0">
-            <a:spAutoFit/>
-          </a:bodyPr>
-          <a:lstStyle/>
-          <a:p>
-            <a:r>
-              <a:rPr lang="en-US" sz="3200" dirty="0" smtClean="0">
-                <a:latin typeface="Times New Roman"/>
-                <a:cs typeface="Times New Roman"/>
-              </a:rPr>
-              <a:t>β</a:t>
-            </a:r>
-            <a:endParaRPr lang="en-US" sz="3200" dirty="0">
-              <a:latin typeface="Times New Roman"/>
-              <a:cs typeface="Times New Roman"/>
-            </a:endParaRPr>
-          </a:p>
-        </p:txBody>
-      </p:sp>
-      <p:sp>
-        <p:nvSpPr>
-          <p:cNvPr id="92" name="TextBox 91"/>
-          <p:cNvSpPr txBox="1"/>
-          <p:nvPr/>
-        </p:nvSpPr>
-        <p:spPr>
-          <a:xfrm>
-            <a:off x="3129699" y="1266199"/>
-            <a:ext cx="1181100" cy="584776"/>
-          </a:xfrm>
-          <a:prstGeom prst="rect">
-            <a:avLst/>
-          </a:prstGeom>
-          <a:noFill/>
-        </p:spPr>
-        <p:txBody>
-          <a:bodyPr wrap="square" rtlCol="0">
-            <a:spAutoFit/>
-          </a:bodyPr>
-          <a:lstStyle/>
-          <a:p>
-            <a:r>
-              <a:rPr lang="en-US" sz="3200" dirty="0" err="1" smtClean="0">
-                <a:latin typeface="Times New Roman"/>
-                <a:cs typeface="Times New Roman"/>
-              </a:rPr>
-              <a:t>ε</a:t>
-            </a:r>
-            <a:endParaRPr lang="en-US" sz="3200" dirty="0">
-              <a:latin typeface="Times New Roman"/>
-              <a:cs typeface="Times New Roman"/>
-            </a:endParaRPr>
-          </a:p>
-        </p:txBody>
-      </p:sp>
-      <p:sp>
-        <p:nvSpPr>
-          <p:cNvPr id="93" name="TextBox 92"/>
-          <p:cNvSpPr txBox="1"/>
-          <p:nvPr/>
-        </p:nvSpPr>
-        <p:spPr>
-          <a:xfrm>
-            <a:off x="1848492" y="366917"/>
-            <a:ext cx="1181100" cy="584776"/>
-          </a:xfrm>
-          <a:prstGeom prst="rect">
-            <a:avLst/>
-          </a:prstGeom>
-          <a:noFill/>
-        </p:spPr>
-        <p:txBody>
-          <a:bodyPr wrap="square" rtlCol="0">
-            <a:spAutoFit/>
-          </a:bodyPr>
-          <a:lstStyle/>
-          <a:p>
-            <a:r>
-              <a:rPr lang="en-US" sz="3200" dirty="0" smtClean="0">
-                <a:latin typeface="Times New Roman"/>
-                <a:cs typeface="Times New Roman"/>
-              </a:rPr>
-              <a:t>α</a:t>
-            </a:r>
-            <a:endParaRPr lang="en-US" sz="3200" dirty="0">
-              <a:latin typeface="Times New Roman"/>
-              <a:cs typeface="Times New Roman"/>
-            </a:endParaRPr>
-          </a:p>
-        </p:txBody>
-      </p:sp>
-      <p:sp>
-        <p:nvSpPr>
-          <p:cNvPr id="94" name="Oval 93"/>
-          <p:cNvSpPr>
-            <a:spLocks noChangeAspect="1"/>
-          </p:cNvSpPr>
-          <p:nvPr/>
-        </p:nvSpPr>
-        <p:spPr>
-          <a:xfrm>
-            <a:off x="7769752" y="1186765"/>
-            <a:ext cx="547910" cy="548640"/>
-          </a:xfrm>
-          <a:prstGeom prst="ellipse">
-            <a:avLst/>
-          </a:prstGeom>
-          <a:solidFill>
-            <a:schemeClr val="accent1">
-              <a:alpha val="78000"/>
-            </a:schemeClr>
-          </a:solidFill>
-          <a:ln>
-            <a:noFill/>
-          </a:ln>
-        </p:spPr>
-        <p:style>
-          <a:lnRef idx="1">
-            <a:schemeClr val="accent1"/>
-          </a:lnRef>
-          <a:fillRef idx="3">
-            <a:schemeClr val="accent1"/>
-          </a:fillRef>
-          <a:effectRef idx="2">
-            <a:schemeClr val="accent1"/>
-          </a:effectRef>
-          <a:fontRef idx="minor">
-            <a:schemeClr val="lt1"/>
-          </a:fontRef>
-        </p:style>
-        <p:txBody>
-          <a:bodyPr rtlCol="0" anchor="ctr"/>
-          <a:lstStyle/>
-          <a:p>
-            <a:pPr algn="ctr"/>
-            <a:endParaRPr lang="en-US" sz="3200"/>
-          </a:p>
-        </p:txBody>
-      </p:sp>
-      <p:sp>
-        <p:nvSpPr>
-          <p:cNvPr id="95" name="Oval 94"/>
-          <p:cNvSpPr>
-            <a:spLocks noChangeAspect="1"/>
-          </p:cNvSpPr>
-          <p:nvPr/>
-        </p:nvSpPr>
-        <p:spPr>
-          <a:xfrm>
-            <a:off x="7286207" y="1186765"/>
-            <a:ext cx="547910" cy="548640"/>
-          </a:xfrm>
-          <a:prstGeom prst="ellipse">
-            <a:avLst/>
-          </a:prstGeom>
-          <a:solidFill>
-            <a:schemeClr val="accent1">
-              <a:alpha val="90000"/>
-            </a:schemeClr>
-          </a:solidFill>
-          <a:ln>
-            <a:noFill/>
-          </a:ln>
-        </p:spPr>
-        <p:style>
-          <a:lnRef idx="1">
-            <a:schemeClr val="accent1"/>
-          </a:lnRef>
-          <a:fillRef idx="3">
-            <a:schemeClr val="accent1"/>
-          </a:fillRef>
-          <a:effectRef idx="2">
-            <a:schemeClr val="accent1"/>
-          </a:effectRef>
-          <a:fontRef idx="minor">
-            <a:schemeClr val="lt1"/>
-          </a:fontRef>
-        </p:style>
-        <p:txBody>
-          <a:bodyPr rtlCol="0" anchor="ctr"/>
-          <a:lstStyle/>
-          <a:p>
-            <a:pPr algn="ctr"/>
-            <a:endParaRPr lang="en-US" sz="3200"/>
-          </a:p>
-        </p:txBody>
-      </p:sp>
-      <p:sp>
-        <p:nvSpPr>
-          <p:cNvPr id="96" name="Oval 95"/>
-          <p:cNvSpPr>
-            <a:spLocks noChangeAspect="1"/>
-          </p:cNvSpPr>
-          <p:nvPr/>
-        </p:nvSpPr>
-        <p:spPr>
-          <a:xfrm>
-            <a:off x="5714135" y="1186765"/>
-            <a:ext cx="547910" cy="548640"/>
-          </a:xfrm>
-          <a:prstGeom prst="ellipse">
-            <a:avLst/>
-          </a:prstGeom>
-          <a:solidFill>
-            <a:schemeClr val="accent1">
-              <a:alpha val="16000"/>
-            </a:schemeClr>
-          </a:solidFill>
-          <a:ln>
-            <a:noFill/>
-          </a:ln>
-        </p:spPr>
-        <p:style>
-          <a:lnRef idx="1">
-            <a:schemeClr val="accent1"/>
-          </a:lnRef>
-          <a:fillRef idx="3">
-            <a:schemeClr val="accent1"/>
-          </a:fillRef>
-          <a:effectRef idx="2">
-            <a:schemeClr val="accent1"/>
-          </a:effectRef>
-          <a:fontRef idx="minor">
-            <a:schemeClr val="lt1"/>
-          </a:fontRef>
-        </p:style>
-        <p:txBody>
-          <a:bodyPr rtlCol="0" anchor="ctr"/>
-          <a:lstStyle/>
-          <a:p>
-            <a:pPr algn="ctr"/>
-            <a:endParaRPr lang="en-US" sz="3200"/>
-          </a:p>
-        </p:txBody>
-      </p:sp>
-      <p:sp>
-        <p:nvSpPr>
-          <p:cNvPr id="97" name="Oval 96"/>
-          <p:cNvSpPr>
-            <a:spLocks noChangeAspect="1"/>
-          </p:cNvSpPr>
-          <p:nvPr/>
-        </p:nvSpPr>
-        <p:spPr>
-          <a:xfrm>
-            <a:off x="7105461" y="2005021"/>
-            <a:ext cx="547910" cy="548640"/>
-          </a:xfrm>
-          <a:prstGeom prst="ellipse">
-            <a:avLst/>
-          </a:prstGeom>
-          <a:solidFill>
-            <a:schemeClr val="accent1">
-              <a:alpha val="42000"/>
-            </a:schemeClr>
-          </a:solidFill>
-          <a:ln>
-            <a:noFill/>
-          </a:ln>
-        </p:spPr>
-        <p:style>
-          <a:lnRef idx="1">
-            <a:schemeClr val="accent1"/>
-          </a:lnRef>
-          <a:fillRef idx="3">
-            <a:schemeClr val="accent1"/>
-          </a:fillRef>
-          <a:effectRef idx="2">
-            <a:schemeClr val="accent1"/>
-          </a:effectRef>
-          <a:fontRef idx="minor">
-            <a:schemeClr val="lt1"/>
-          </a:fontRef>
-        </p:style>
-        <p:txBody>
-          <a:bodyPr rtlCol="0" anchor="ctr"/>
-          <a:lstStyle/>
-          <a:p>
-            <a:pPr algn="ctr"/>
-            <a:endParaRPr lang="en-US" sz="3200"/>
-          </a:p>
-        </p:txBody>
-      </p:sp>
-      <p:sp>
-        <p:nvSpPr>
-          <p:cNvPr id="98" name="Oval 97"/>
-          <p:cNvSpPr>
-            <a:spLocks noChangeAspect="1"/>
-          </p:cNvSpPr>
-          <p:nvPr/>
-        </p:nvSpPr>
-        <p:spPr>
-          <a:xfrm>
-            <a:off x="8496787" y="1186765"/>
-            <a:ext cx="547910" cy="548640"/>
-          </a:xfrm>
-          <a:prstGeom prst="ellipse">
-            <a:avLst/>
-          </a:prstGeom>
-          <a:solidFill>
-            <a:schemeClr val="accent1">
-              <a:alpha val="63000"/>
-            </a:schemeClr>
-          </a:solidFill>
-          <a:ln>
-            <a:noFill/>
-          </a:ln>
-        </p:spPr>
-        <p:style>
-          <a:lnRef idx="1">
-            <a:schemeClr val="accent1"/>
-          </a:lnRef>
-          <a:fillRef idx="3">
-            <a:schemeClr val="accent1"/>
-          </a:fillRef>
-          <a:effectRef idx="2">
-            <a:schemeClr val="accent1"/>
-          </a:effectRef>
-          <a:fontRef idx="minor">
-            <a:schemeClr val="lt1"/>
-          </a:fontRef>
-        </p:style>
-        <p:txBody>
-          <a:bodyPr rtlCol="0" anchor="ctr"/>
-          <a:lstStyle/>
-          <a:p>
-            <a:pPr algn="ctr"/>
-            <a:endParaRPr lang="en-US" sz="3200"/>
-          </a:p>
-        </p:txBody>
-      </p:sp>
-      <p:sp>
-        <p:nvSpPr>
-          <p:cNvPr id="99" name="Oval 98"/>
-          <p:cNvSpPr>
-            <a:spLocks noChangeAspect="1"/>
-          </p:cNvSpPr>
-          <p:nvPr/>
-        </p:nvSpPr>
-        <p:spPr>
-          <a:xfrm>
-            <a:off x="6831506" y="1186765"/>
-            <a:ext cx="547910" cy="548640"/>
-          </a:xfrm>
-          <a:prstGeom prst="ellipse">
-            <a:avLst/>
-          </a:prstGeom>
-          <a:solidFill>
-            <a:schemeClr val="accent1"/>
-          </a:solidFill>
-          <a:ln>
-            <a:noFill/>
-          </a:ln>
-        </p:spPr>
-        <p:style>
-          <a:lnRef idx="1">
-            <a:schemeClr val="accent1"/>
-          </a:lnRef>
-          <a:fillRef idx="3">
-            <a:schemeClr val="accent1"/>
-          </a:fillRef>
-          <a:effectRef idx="2">
-            <a:schemeClr val="accent1"/>
-          </a:effectRef>
-          <a:fontRef idx="minor">
-            <a:schemeClr val="lt1"/>
-          </a:fontRef>
-        </p:style>
-        <p:txBody>
-          <a:bodyPr rtlCol="0" anchor="ctr"/>
-          <a:lstStyle/>
-          <a:p>
-            <a:pPr algn="ctr"/>
-            <a:endParaRPr lang="en-US" sz="3200"/>
-          </a:p>
-        </p:txBody>
-      </p:sp>
-      <p:sp>
-        <p:nvSpPr>
-          <p:cNvPr id="100" name="Oval 99"/>
-          <p:cNvSpPr>
-            <a:spLocks noChangeAspect="1"/>
-          </p:cNvSpPr>
-          <p:nvPr/>
-        </p:nvSpPr>
-        <p:spPr>
-          <a:xfrm>
-            <a:off x="6194912" y="317457"/>
-            <a:ext cx="547910" cy="548640"/>
-          </a:xfrm>
-          <a:prstGeom prst="ellipse">
-            <a:avLst/>
-          </a:prstGeom>
-          <a:solidFill>
-            <a:schemeClr val="accent3">
-              <a:lumMod val="50000"/>
-            </a:schemeClr>
-          </a:solidFill>
-          <a:ln>
-            <a:noFill/>
-          </a:ln>
-        </p:spPr>
-        <p:style>
-          <a:lnRef idx="1">
-            <a:schemeClr val="accent1"/>
-          </a:lnRef>
-          <a:fillRef idx="3">
-            <a:schemeClr val="accent1"/>
-          </a:fillRef>
-          <a:effectRef idx="2">
-            <a:schemeClr val="accent1"/>
-          </a:effectRef>
-          <a:fontRef idx="minor">
-            <a:schemeClr val="lt1"/>
-          </a:fontRef>
-        </p:style>
-        <p:txBody>
-          <a:bodyPr rtlCol="0" anchor="ctr"/>
-          <a:lstStyle/>
-          <a:p>
-            <a:pPr algn="ctr"/>
-            <a:endParaRPr lang="en-US" sz="3200"/>
-          </a:p>
-        </p:txBody>
-      </p:sp>
-      <p:sp>
-        <p:nvSpPr>
-          <p:cNvPr id="101" name="Oval 100"/>
-          <p:cNvSpPr>
-            <a:spLocks noChangeAspect="1"/>
-          </p:cNvSpPr>
-          <p:nvPr/>
-        </p:nvSpPr>
-        <p:spPr>
-          <a:xfrm>
-            <a:off x="3415475" y="317457"/>
-            <a:ext cx="547910" cy="548640"/>
-          </a:xfrm>
-          <a:prstGeom prst="ellipse">
-            <a:avLst/>
-          </a:prstGeom>
-          <a:solidFill>
-            <a:srgbClr val="4F6228">
-              <a:alpha val="16000"/>
-            </a:srgbClr>
-          </a:solidFill>
-          <a:ln>
-            <a:noFill/>
-          </a:ln>
-        </p:spPr>
-        <p:style>
-          <a:lnRef idx="1">
-            <a:schemeClr val="accent1"/>
-          </a:lnRef>
-          <a:fillRef idx="3">
-            <a:schemeClr val="accent1"/>
-          </a:fillRef>
-          <a:effectRef idx="2">
-            <a:schemeClr val="accent1"/>
-          </a:effectRef>
-          <a:fontRef idx="minor">
-            <a:schemeClr val="lt1"/>
-          </a:fontRef>
-        </p:style>
-        <p:txBody>
-          <a:bodyPr rtlCol="0" anchor="ctr"/>
-          <a:lstStyle/>
-          <a:p>
-            <a:pPr algn="ctr"/>
-            <a:endParaRPr lang="en-US" sz="3200"/>
-          </a:p>
-        </p:txBody>
-      </p:sp>
-      <p:sp>
-        <p:nvSpPr>
-          <p:cNvPr id="102" name="Oval 101"/>
-          <p:cNvSpPr>
-            <a:spLocks noChangeAspect="1"/>
-          </p:cNvSpPr>
-          <p:nvPr/>
-        </p:nvSpPr>
-        <p:spPr>
-          <a:xfrm>
-            <a:off x="4803586" y="1127672"/>
-            <a:ext cx="547910" cy="548640"/>
-          </a:xfrm>
-          <a:prstGeom prst="ellipse">
-            <a:avLst/>
-          </a:prstGeom>
-          <a:solidFill>
-            <a:srgbClr val="4F6228">
-              <a:alpha val="42000"/>
-            </a:srgbClr>
-          </a:solidFill>
-          <a:ln>
-            <a:noFill/>
-          </a:ln>
-        </p:spPr>
-        <p:style>
-          <a:lnRef idx="1">
-            <a:schemeClr val="accent1"/>
-          </a:lnRef>
-          <a:fillRef idx="3">
-            <a:schemeClr val="accent1"/>
-          </a:fillRef>
-          <a:effectRef idx="2">
-            <a:schemeClr val="accent1"/>
-          </a:effectRef>
-          <a:fontRef idx="minor">
-            <a:schemeClr val="lt1"/>
-          </a:fontRef>
-        </p:style>
-        <p:txBody>
-          <a:bodyPr rtlCol="0" anchor="ctr"/>
-          <a:lstStyle/>
-          <a:p>
-            <a:pPr algn="ctr"/>
-            <a:endParaRPr lang="en-US" sz="3200"/>
-          </a:p>
-        </p:txBody>
-      </p:sp>
-      <p:sp>
-        <p:nvSpPr>
-          <p:cNvPr id="103" name="TextBox 102"/>
-          <p:cNvSpPr txBox="1"/>
-          <p:nvPr/>
-        </p:nvSpPr>
-        <p:spPr>
-          <a:xfrm>
-            <a:off x="3463100" y="252035"/>
-            <a:ext cx="1181100" cy="584776"/>
-          </a:xfrm>
-          <a:prstGeom prst="rect">
-            <a:avLst/>
-          </a:prstGeom>
-          <a:noFill/>
-        </p:spPr>
-        <p:txBody>
-          <a:bodyPr wrap="square" rtlCol="0">
-            <a:spAutoFit/>
-          </a:bodyPr>
-          <a:lstStyle/>
-          <a:p>
-            <a:r>
-              <a:rPr lang="en-US" sz="3200" dirty="0" smtClean="0">
-                <a:solidFill>
-                  <a:schemeClr val="bg1"/>
-                </a:solidFill>
-                <a:latin typeface="Times New Roman"/>
-                <a:cs typeface="Times New Roman"/>
-              </a:rPr>
-              <a:t>A</a:t>
-            </a:r>
-            <a:endParaRPr lang="en-US" sz="3200" dirty="0">
-              <a:solidFill>
-                <a:schemeClr val="bg1"/>
-              </a:solidFill>
-              <a:latin typeface="Times New Roman"/>
-              <a:cs typeface="Times New Roman"/>
-            </a:endParaRPr>
-          </a:p>
-        </p:txBody>
-      </p:sp>
-      <p:sp>
-        <p:nvSpPr>
-          <p:cNvPr id="104" name="TextBox 103"/>
-          <p:cNvSpPr txBox="1"/>
-          <p:nvPr/>
-        </p:nvSpPr>
-        <p:spPr>
-          <a:xfrm>
-            <a:off x="4810767" y="1091536"/>
-            <a:ext cx="1181100" cy="584776"/>
-          </a:xfrm>
-          <a:prstGeom prst="rect">
-            <a:avLst/>
-          </a:prstGeom>
-          <a:noFill/>
-        </p:spPr>
-        <p:txBody>
-          <a:bodyPr wrap="square" rtlCol="0">
-            <a:spAutoFit/>
-          </a:bodyPr>
-          <a:lstStyle/>
-          <a:p>
-            <a:r>
-              <a:rPr lang="en-US" sz="3200" dirty="0" smtClean="0">
-                <a:solidFill>
-                  <a:schemeClr val="bg1"/>
-                </a:solidFill>
-                <a:latin typeface="Times New Roman"/>
-                <a:cs typeface="Times New Roman"/>
-              </a:rPr>
-              <a:t>A</a:t>
-            </a:r>
-            <a:endParaRPr lang="en-US" sz="3200" dirty="0">
-              <a:solidFill>
-                <a:schemeClr val="bg1"/>
-              </a:solidFill>
-              <a:latin typeface="Times New Roman"/>
-              <a:cs typeface="Times New Roman"/>
-            </a:endParaRPr>
-          </a:p>
-        </p:txBody>
-      </p:sp>
-      <p:sp>
-        <p:nvSpPr>
-          <p:cNvPr id="105" name="TextBox 104"/>
-          <p:cNvSpPr txBox="1"/>
-          <p:nvPr/>
-        </p:nvSpPr>
-        <p:spPr>
-          <a:xfrm>
-            <a:off x="6230295" y="251828"/>
-            <a:ext cx="1181100" cy="584776"/>
-          </a:xfrm>
-          <a:prstGeom prst="rect">
-            <a:avLst/>
-          </a:prstGeom>
-          <a:noFill/>
-        </p:spPr>
-        <p:txBody>
-          <a:bodyPr wrap="square" rtlCol="0">
-            <a:spAutoFit/>
-          </a:bodyPr>
-          <a:lstStyle/>
-          <a:p>
-            <a:r>
-              <a:rPr lang="en-US" sz="3200" dirty="0" smtClean="0">
-                <a:solidFill>
-                  <a:schemeClr val="bg1"/>
-                </a:solidFill>
-                <a:latin typeface="Times New Roman"/>
-                <a:cs typeface="Times New Roman"/>
-              </a:rPr>
-              <a:t>A</a:t>
-            </a:r>
-            <a:endParaRPr lang="en-US" sz="3200" dirty="0">
-              <a:solidFill>
-                <a:schemeClr val="bg1"/>
-              </a:solidFill>
-              <a:latin typeface="Times New Roman"/>
-              <a:cs typeface="Times New Roman"/>
-            </a:endParaRPr>
           </a:p>
         </p:txBody>
       </p:sp>
@@ -4119,258 +4133,6 @@
           </p:style>
         </p:cxnSp>
       </p:grpSp>
-      <p:sp>
-        <p:nvSpPr>
-          <p:cNvPr id="110" name="TextBox 109"/>
-          <p:cNvSpPr txBox="1"/>
-          <p:nvPr/>
-        </p:nvSpPr>
-        <p:spPr>
-          <a:xfrm>
-            <a:off x="5761760" y="1127672"/>
-            <a:ext cx="1181100" cy="584776"/>
-          </a:xfrm>
-          <a:prstGeom prst="rect">
-            <a:avLst/>
-          </a:prstGeom>
-          <a:noFill/>
-        </p:spPr>
-        <p:txBody>
-          <a:bodyPr wrap="square" rtlCol="0">
-            <a:spAutoFit/>
-          </a:bodyPr>
-          <a:lstStyle/>
-          <a:p>
-            <a:r>
-              <a:rPr lang="en-US" sz="3200" dirty="0" smtClean="0">
-                <a:solidFill>
-                  <a:schemeClr val="bg1"/>
-                </a:solidFill>
-                <a:latin typeface="Times New Roman"/>
-                <a:cs typeface="Times New Roman"/>
-              </a:rPr>
-              <a:t>B</a:t>
-            </a:r>
-            <a:endParaRPr lang="en-US" sz="3200" dirty="0">
-              <a:solidFill>
-                <a:schemeClr val="bg1"/>
-              </a:solidFill>
-              <a:latin typeface="Times New Roman"/>
-              <a:cs typeface="Times New Roman"/>
-            </a:endParaRPr>
-          </a:p>
-        </p:txBody>
-      </p:sp>
-      <p:sp>
-        <p:nvSpPr>
-          <p:cNvPr id="111" name="TextBox 110"/>
-          <p:cNvSpPr txBox="1"/>
-          <p:nvPr/>
-        </p:nvSpPr>
-        <p:spPr>
-          <a:xfrm>
-            <a:off x="7148804" y="1968885"/>
-            <a:ext cx="1181100" cy="584776"/>
-          </a:xfrm>
-          <a:prstGeom prst="rect">
-            <a:avLst/>
-          </a:prstGeom>
-          <a:noFill/>
-        </p:spPr>
-        <p:txBody>
-          <a:bodyPr wrap="square" rtlCol="0">
-            <a:spAutoFit/>
-          </a:bodyPr>
-          <a:lstStyle/>
-          <a:p>
-            <a:r>
-              <a:rPr lang="en-US" sz="3200" dirty="0" smtClean="0">
-                <a:solidFill>
-                  <a:schemeClr val="bg1"/>
-                </a:solidFill>
-                <a:latin typeface="Times New Roman"/>
-                <a:cs typeface="Times New Roman"/>
-              </a:rPr>
-              <a:t>B</a:t>
-            </a:r>
-            <a:endParaRPr lang="en-US" sz="3200" dirty="0">
-              <a:solidFill>
-                <a:schemeClr val="bg1"/>
-              </a:solidFill>
-              <a:latin typeface="Times New Roman"/>
-              <a:cs typeface="Times New Roman"/>
-            </a:endParaRPr>
-          </a:p>
-        </p:txBody>
-      </p:sp>
-      <p:sp>
-        <p:nvSpPr>
-          <p:cNvPr id="112" name="TextBox 111"/>
-          <p:cNvSpPr txBox="1"/>
-          <p:nvPr/>
-        </p:nvSpPr>
-        <p:spPr>
-          <a:xfrm>
-            <a:off x="8549397" y="1155015"/>
-            <a:ext cx="1181100" cy="584776"/>
-          </a:xfrm>
-          <a:prstGeom prst="rect">
-            <a:avLst/>
-          </a:prstGeom>
-          <a:noFill/>
-        </p:spPr>
-        <p:txBody>
-          <a:bodyPr wrap="square" rtlCol="0">
-            <a:spAutoFit/>
-          </a:bodyPr>
-          <a:lstStyle/>
-          <a:p>
-            <a:r>
-              <a:rPr lang="en-US" sz="3200" dirty="0" smtClean="0">
-                <a:solidFill>
-                  <a:schemeClr val="bg1"/>
-                </a:solidFill>
-                <a:latin typeface="Times New Roman"/>
-                <a:cs typeface="Times New Roman"/>
-              </a:rPr>
-              <a:t>B</a:t>
-            </a:r>
-            <a:endParaRPr lang="en-US" sz="3200" dirty="0">
-              <a:solidFill>
-                <a:schemeClr val="bg1"/>
-              </a:solidFill>
-              <a:latin typeface="Times New Roman"/>
-              <a:cs typeface="Times New Roman"/>
-            </a:endParaRPr>
-          </a:p>
-        </p:txBody>
-      </p:sp>
-      <p:sp>
-        <p:nvSpPr>
-          <p:cNvPr id="113" name="TextBox 112"/>
-          <p:cNvSpPr txBox="1"/>
-          <p:nvPr/>
-        </p:nvSpPr>
-        <p:spPr>
-          <a:xfrm>
-            <a:off x="7806487" y="1147207"/>
-            <a:ext cx="1181100" cy="584776"/>
-          </a:xfrm>
-          <a:prstGeom prst="rect">
-            <a:avLst/>
-          </a:prstGeom>
-          <a:noFill/>
-        </p:spPr>
-        <p:txBody>
-          <a:bodyPr wrap="square" rtlCol="0">
-            <a:spAutoFit/>
-          </a:bodyPr>
-          <a:lstStyle/>
-          <a:p>
-            <a:r>
-              <a:rPr lang="en-US" sz="3200" dirty="0" smtClean="0">
-                <a:solidFill>
-                  <a:schemeClr val="bg1"/>
-                </a:solidFill>
-                <a:latin typeface="Times New Roman"/>
-                <a:cs typeface="Times New Roman"/>
-              </a:rPr>
-              <a:t>B</a:t>
-            </a:r>
-            <a:endParaRPr lang="en-US" sz="3200" dirty="0">
-              <a:solidFill>
-                <a:schemeClr val="bg1"/>
-              </a:solidFill>
-              <a:latin typeface="Times New Roman"/>
-              <a:cs typeface="Times New Roman"/>
-            </a:endParaRPr>
-          </a:p>
-        </p:txBody>
-      </p:sp>
-      <p:sp>
-        <p:nvSpPr>
-          <p:cNvPr id="114" name="TextBox 113"/>
-          <p:cNvSpPr txBox="1"/>
-          <p:nvPr/>
-        </p:nvSpPr>
-        <p:spPr>
-          <a:xfrm>
-            <a:off x="7338884" y="1153022"/>
-            <a:ext cx="1181100" cy="584776"/>
-          </a:xfrm>
-          <a:prstGeom prst="rect">
-            <a:avLst/>
-          </a:prstGeom>
-          <a:noFill/>
-        </p:spPr>
-        <p:txBody>
-          <a:bodyPr wrap="square" rtlCol="0">
-            <a:spAutoFit/>
-          </a:bodyPr>
-          <a:lstStyle/>
-          <a:p>
-            <a:r>
-              <a:rPr lang="en-US" sz="3200" dirty="0" smtClean="0">
-                <a:solidFill>
-                  <a:schemeClr val="bg1"/>
-                </a:solidFill>
-                <a:latin typeface="Times New Roman"/>
-                <a:cs typeface="Times New Roman"/>
-              </a:rPr>
-              <a:t>B</a:t>
-            </a:r>
-            <a:endParaRPr lang="en-US" sz="3200" dirty="0">
-              <a:solidFill>
-                <a:schemeClr val="bg1"/>
-              </a:solidFill>
-              <a:latin typeface="Times New Roman"/>
-              <a:cs typeface="Times New Roman"/>
-            </a:endParaRPr>
-          </a:p>
-        </p:txBody>
-      </p:sp>
-      <p:sp>
-        <p:nvSpPr>
-          <p:cNvPr id="115" name="TextBox 114"/>
-          <p:cNvSpPr txBox="1"/>
-          <p:nvPr/>
-        </p:nvSpPr>
-        <p:spPr>
-          <a:xfrm>
-            <a:off x="6895911" y="1131332"/>
-            <a:ext cx="1181100" cy="584776"/>
-          </a:xfrm>
-          <a:prstGeom prst="rect">
-            <a:avLst/>
-          </a:prstGeom>
-          <a:noFill/>
-        </p:spPr>
-        <p:txBody>
-          <a:bodyPr wrap="square" rtlCol="0">
-            <a:spAutoFit/>
-          </a:bodyPr>
-          <a:lstStyle/>
-          <a:p>
-            <a:r>
-              <a:rPr lang="en-US" sz="3200" dirty="0" smtClean="0">
-                <a:solidFill>
-                  <a:schemeClr val="bg1"/>
-                </a:solidFill>
-                <a:latin typeface="Times New Roman"/>
-                <a:cs typeface="Times New Roman"/>
-              </a:rPr>
-              <a:t>B</a:t>
-            </a:r>
-            <a:endParaRPr lang="en-US" sz="3200" dirty="0">
-              <a:solidFill>
-                <a:schemeClr val="bg1"/>
-              </a:solidFill>
-              <a:latin typeface="Times New Roman"/>
-              <a:cs typeface="Times New Roman"/>
-            </a:endParaRPr>
-          </a:p>
-        </p:txBody>
-      </p:sp>
       <p:grpSp>
         <p:nvGrpSpPr>
           <p:cNvPr id="116" name="Group 115"/>
@@ -4499,7 +4261,172 @@
       </p:grpSp>
       <p:sp>
         <p:nvSpPr>
-          <p:cNvPr id="84" name="Rectangle 83"/>
+          <p:cNvPr id="120" name="TextBox 119"/>
+          <p:cNvSpPr txBox="1"/>
+          <p:nvPr/>
+        </p:nvSpPr>
+        <p:spPr>
+          <a:xfrm>
+            <a:off x="330916" y="1558587"/>
+            <a:ext cx="1181100" cy="584776"/>
+          </a:xfrm>
+          <a:prstGeom prst="rect">
+            <a:avLst/>
+          </a:prstGeom>
+          <a:noFill/>
+        </p:spPr>
+        <p:txBody>
+          <a:bodyPr wrap="square" rtlCol="0">
+            <a:spAutoFit/>
+          </a:bodyPr>
+          <a:lstStyle/>
+          <a:p>
+            <a:r>
+              <a:rPr lang="en-US" sz="3200" dirty="0" smtClean="0">
+                <a:latin typeface="Times New Roman"/>
+                <a:cs typeface="Times New Roman"/>
+              </a:rPr>
+              <a:t>1.)</a:t>
+            </a:r>
+            <a:endParaRPr lang="en-US" sz="3200" dirty="0">
+              <a:latin typeface="Times New Roman"/>
+              <a:cs typeface="Times New Roman"/>
+            </a:endParaRPr>
+          </a:p>
+        </p:txBody>
+      </p:sp>
+      <p:sp>
+        <p:nvSpPr>
+          <p:cNvPr id="121" name="TextBox 120"/>
+          <p:cNvSpPr txBox="1"/>
+          <p:nvPr/>
+        </p:nvSpPr>
+        <p:spPr>
+          <a:xfrm>
+            <a:off x="2086617" y="1551662"/>
+            <a:ext cx="1181100" cy="584776"/>
+          </a:xfrm>
+          <a:prstGeom prst="rect">
+            <a:avLst/>
+          </a:prstGeom>
+          <a:noFill/>
+        </p:spPr>
+        <p:txBody>
+          <a:bodyPr wrap="square" rtlCol="0">
+            <a:spAutoFit/>
+          </a:bodyPr>
+          <a:lstStyle/>
+          <a:p>
+            <a:r>
+              <a:rPr lang="en-US" sz="3200" dirty="0" smtClean="0">
+                <a:latin typeface="Times New Roman"/>
+                <a:cs typeface="Times New Roman"/>
+              </a:rPr>
+              <a:t>2.)</a:t>
+            </a:r>
+            <a:endParaRPr lang="en-US" sz="3200" dirty="0">
+              <a:latin typeface="Times New Roman"/>
+              <a:cs typeface="Times New Roman"/>
+            </a:endParaRPr>
+          </a:p>
+        </p:txBody>
+      </p:sp>
+      <p:sp>
+        <p:nvSpPr>
+          <p:cNvPr id="122" name="TextBox 121"/>
+          <p:cNvSpPr txBox="1"/>
+          <p:nvPr/>
+        </p:nvSpPr>
+        <p:spPr>
+          <a:xfrm>
+            <a:off x="1251934" y="1226582"/>
+            <a:ext cx="1181100" cy="584776"/>
+          </a:xfrm>
+          <a:prstGeom prst="rect">
+            <a:avLst/>
+          </a:prstGeom>
+          <a:noFill/>
+        </p:spPr>
+        <p:txBody>
+          <a:bodyPr wrap="square" rtlCol="0">
+            <a:spAutoFit/>
+          </a:bodyPr>
+          <a:lstStyle/>
+          <a:p>
+            <a:r>
+              <a:rPr lang="en-US" sz="3200" dirty="0" smtClean="0">
+                <a:latin typeface="Times New Roman"/>
+                <a:cs typeface="Times New Roman"/>
+              </a:rPr>
+              <a:t>3.)</a:t>
+            </a:r>
+            <a:endParaRPr lang="en-US" sz="3200" dirty="0">
+              <a:latin typeface="Times New Roman"/>
+              <a:cs typeface="Times New Roman"/>
+            </a:endParaRPr>
+          </a:p>
+        </p:txBody>
+      </p:sp>
+      <p:graphicFrame>
+        <p:nvGraphicFramePr>
+          <p:cNvPr id="41" name="Content Placeholder 3"/>
+          <p:cNvGraphicFramePr>
+            <a:graphicFrameLocks noChangeAspect="1"/>
+          </p:cNvGraphicFramePr>
+          <p:nvPr>
+            <p:extLst>
+              <p:ext uri="{D42A27DB-BD31-4B8C-83A1-F6EECF244321}">
+                <p14:modId xmlns:p14="http://schemas.microsoft.com/office/powerpoint/2010/main" val="1775814330"/>
+              </p:ext>
+            </p:extLst>
+          </p:nvPr>
+        </p:nvGraphicFramePr>
+        <p:xfrm>
+          <a:off x="3084805" y="1347013"/>
+          <a:ext cx="597839" cy="486668"/>
+        </p:xfrm>
+        <a:graphic>
+          <a:graphicData uri="http://schemas.openxmlformats.org/presentationml/2006/ole">
+            <mc:AlternateContent xmlns:mc="http://schemas.openxmlformats.org/markup-compatibility/2006">
+              <mc:Choice xmlns:v="urn:schemas-microsoft-com:vml" Requires="v">
+                <p:oleObj spid="_x0000_s1025" name="Document" r:id="rId3" imgW="9144000" imgH="7442200" progId="Word.Document.12">
+                  <p:embed/>
+                </p:oleObj>
+              </mc:Choice>
+              <mc:Fallback>
+                <p:oleObj name="Document" r:id="rId3" imgW="9144000" imgH="7442200" progId="Word.Document.12">
+                  <p:embed/>
+                  <p:pic>
+                    <p:nvPicPr>
+                      <p:cNvPr id="0" name=""/>
+                      <p:cNvPicPr/>
+                      <p:nvPr/>
+                    </p:nvPicPr>
+                    <p:blipFill>
+                      <a:blip r:embed="rId4"/>
+                      <a:stretch>
+                        <a:fillRect/>
+                      </a:stretch>
+                    </p:blipFill>
+                    <p:spPr>
+                      <a:xfrm>
+                        <a:off x="3084805" y="1347013"/>
+                        <a:ext cx="597839" cy="486668"/>
+                      </a:xfrm>
+                      <a:prstGeom prst="rect">
+                        <a:avLst/>
+                      </a:prstGeom>
+                    </p:spPr>
+                  </p:pic>
+                </p:oleObj>
+              </mc:Fallback>
+            </mc:AlternateContent>
+          </a:graphicData>
+        </a:graphic>
+      </p:graphicFrame>
+      <p:sp>
+        <p:nvSpPr>
+          <p:cNvPr id="42" name="Rectangle 41"/>
           <p:cNvSpPr/>
           <p:nvPr/>
         </p:nvSpPr>
@@ -4512,8 +4439,17 @@
             <a:avLst/>
           </a:prstGeom>
           <a:solidFill>
-            <a:srgbClr val="FC028B"/>
+            <a:schemeClr val="accent2">
+              <a:lumMod val="50000"/>
+            </a:schemeClr>
           </a:solidFill>
+          <a:ln>
+            <a:solidFill>
+              <a:schemeClr val="accent2">
+                <a:lumMod val="50000"/>
+              </a:schemeClr>
+            </a:solidFill>
+          </a:ln>
         </p:spPr>
         <p:style>
           <a:lnRef idx="1">
@@ -4538,114 +4474,120 @@
           </a:p>
         </p:txBody>
       </p:sp>
-      <p:sp>
-        <p:nvSpPr>
-          <p:cNvPr id="120" name="TextBox 119"/>
-          <p:cNvSpPr txBox="1"/>
-          <p:nvPr/>
-        </p:nvSpPr>
-        <p:spPr>
-          <a:xfrm>
-            <a:off x="330916" y="1558587"/>
-            <a:ext cx="1181100" cy="584776"/>
-          </a:xfrm>
-          <a:prstGeom prst="rect">
-            <a:avLst/>
-          </a:prstGeom>
-          <a:noFill/>
-        </p:spPr>
-        <p:txBody>
-          <a:bodyPr wrap="square" rtlCol="0">
-            <a:spAutoFit/>
-          </a:bodyPr>
-          <a:lstStyle/>
-          <a:p>
-            <a:r>
-              <a:rPr lang="en-US" sz="3200" dirty="0" smtClean="0">
-                <a:latin typeface="Times New Roman"/>
-                <a:cs typeface="Times New Roman"/>
-              </a:rPr>
-              <a:t>1.)</a:t>
-            </a:r>
-            <a:endParaRPr lang="en-US" sz="3200" dirty="0">
-              <a:latin typeface="Times New Roman"/>
-              <a:cs typeface="Times New Roman"/>
-            </a:endParaRPr>
-          </a:p>
-        </p:txBody>
-      </p:sp>
-      <p:sp>
-        <p:nvSpPr>
-          <p:cNvPr id="121" name="TextBox 120"/>
-          <p:cNvSpPr txBox="1"/>
-          <p:nvPr/>
-        </p:nvSpPr>
-        <p:spPr>
-          <a:xfrm>
-            <a:off x="2086617" y="1551662"/>
-            <a:ext cx="1181100" cy="584776"/>
-          </a:xfrm>
-          <a:prstGeom prst="rect">
-            <a:avLst/>
-          </a:prstGeom>
-          <a:noFill/>
-        </p:spPr>
-        <p:txBody>
-          <a:bodyPr wrap="square" rtlCol="0">
-            <a:spAutoFit/>
-          </a:bodyPr>
-          <a:lstStyle/>
-          <a:p>
-            <a:r>
-              <a:rPr lang="en-US" sz="3200" dirty="0" smtClean="0">
-                <a:latin typeface="Times New Roman"/>
-                <a:cs typeface="Times New Roman"/>
-              </a:rPr>
-              <a:t>2.)</a:t>
-            </a:r>
-            <a:endParaRPr lang="en-US" sz="3200" dirty="0">
-              <a:latin typeface="Times New Roman"/>
-              <a:cs typeface="Times New Roman"/>
-            </a:endParaRPr>
-          </a:p>
-        </p:txBody>
-      </p:sp>
-      <p:sp>
-        <p:nvSpPr>
-          <p:cNvPr id="122" name="TextBox 121"/>
-          <p:cNvSpPr txBox="1"/>
-          <p:nvPr/>
-        </p:nvSpPr>
-        <p:spPr>
-          <a:xfrm>
-            <a:off x="1251934" y="1226582"/>
-            <a:ext cx="1181100" cy="584776"/>
-          </a:xfrm>
-          <a:prstGeom prst="rect">
-            <a:avLst/>
-          </a:prstGeom>
-          <a:noFill/>
-        </p:spPr>
-        <p:txBody>
-          <a:bodyPr wrap="square" rtlCol="0">
-            <a:spAutoFit/>
-          </a:bodyPr>
-          <a:lstStyle/>
-          <a:p>
-            <a:r>
-              <a:rPr lang="en-US" sz="3200" dirty="0" smtClean="0">
-                <a:latin typeface="Times New Roman"/>
-                <a:cs typeface="Times New Roman"/>
-              </a:rPr>
-              <a:t>3.)</a:t>
-            </a:r>
-            <a:endParaRPr lang="en-US" sz="3200" dirty="0">
-              <a:latin typeface="Times New Roman"/>
-              <a:cs typeface="Times New Roman"/>
-            </a:endParaRPr>
-          </a:p>
-        </p:txBody>
-      </p:sp>
+      <p:graphicFrame>
+        <p:nvGraphicFramePr>
+          <p:cNvPr id="46" name="Content Placeholder 3"/>
+          <p:cNvGraphicFramePr>
+            <a:graphicFrameLocks noChangeAspect="1"/>
+          </p:cNvGraphicFramePr>
+          <p:nvPr>
+            <p:extLst>
+              <p:ext uri="{D42A27DB-BD31-4B8C-83A1-F6EECF244321}">
+                <p14:modId xmlns:p14="http://schemas.microsoft.com/office/powerpoint/2010/main" val="698176833"/>
+              </p:ext>
+            </p:extLst>
+          </p:nvPr>
+        </p:nvGraphicFramePr>
+        <p:xfrm>
+          <a:off x="1251934" y="285697"/>
+          <a:ext cx="597839" cy="486668"/>
+        </p:xfrm>
+        <a:graphic>
+          <a:graphicData uri="http://schemas.openxmlformats.org/presentationml/2006/ole">
+            <mc:AlternateContent xmlns:mc="http://schemas.openxmlformats.org/markup-compatibility/2006">
+              <mc:Choice xmlns:v="urn:schemas-microsoft-com:vml" Requires="v">
+                <p:oleObj spid="_x0000_s1026" name="Document" r:id="rId5" imgW="9144000" imgH="7442200" progId="Word.Document.12">
+                  <p:embed/>
+                </p:oleObj>
+              </mc:Choice>
+              <mc:Fallback>
+                <p:oleObj name="Document" r:id="rId5" imgW="9144000" imgH="7442200" progId="Word.Document.12">
+                  <p:embed/>
+                  <p:pic>
+                    <p:nvPicPr>
+                      <p:cNvPr id="0" name=""/>
+                      <p:cNvPicPr/>
+                      <p:nvPr/>
+                    </p:nvPicPr>
+                    <p:blipFill>
+                      <a:blip r:embed="rId6"/>
+                      <a:stretch>
+                        <a:fillRect/>
+                      </a:stretch>
+                    </p:blipFill>
+                    <p:spPr>
+                      <a:xfrm>
+                        <a:off x="1251934" y="285697"/>
+                        <a:ext cx="597839" cy="486668"/>
+                      </a:xfrm>
+                      <a:prstGeom prst="rect">
+                        <a:avLst/>
+                      </a:prstGeom>
+                    </p:spPr>
+                  </p:pic>
+                </p:oleObj>
+              </mc:Fallback>
+            </mc:AlternateContent>
+          </a:graphicData>
+        </a:graphic>
+      </p:graphicFrame>
+      <p:graphicFrame>
+        <p:nvGraphicFramePr>
+          <p:cNvPr id="47" name="Content Placeholder 3"/>
+          <p:cNvGraphicFramePr>
+            <a:graphicFrameLocks noChangeAspect="1"/>
+          </p:cNvGraphicFramePr>
+          <p:nvPr>
+            <p:extLst>
+              <p:ext uri="{D42A27DB-BD31-4B8C-83A1-F6EECF244321}">
+                <p14:modId xmlns:p14="http://schemas.microsoft.com/office/powerpoint/2010/main" val="656472053"/>
+              </p:ext>
+            </p:extLst>
+          </p:nvPr>
+        </p:nvGraphicFramePr>
+        <p:xfrm>
+          <a:off x="1771822" y="431650"/>
+          <a:ext cx="597839" cy="486668"/>
+        </p:xfrm>
+        <a:graphic>
+          <a:graphicData uri="http://schemas.openxmlformats.org/presentationml/2006/ole">
+            <mc:AlternateContent xmlns:mc="http://schemas.openxmlformats.org/markup-compatibility/2006">
+              <mc:Choice xmlns:v="urn:schemas-microsoft-com:vml" Requires="v">
+                <p:oleObj spid="_x0000_s1027" name="Document" r:id="rId7" imgW="9144000" imgH="7442200" progId="Word.Document.12">
+                  <p:embed/>
+                </p:oleObj>
+              </mc:Choice>
+              <mc:Fallback>
+                <p:oleObj name="Document" r:id="rId7" imgW="9144000" imgH="7442200" progId="Word.Document.12">
+                  <p:embed/>
+                  <p:pic>
+                    <p:nvPicPr>
+                      <p:cNvPr id="0" name=""/>
+                      <p:cNvPicPr/>
+                      <p:nvPr/>
+                    </p:nvPicPr>
+                    <p:blipFill>
+                      <a:blip r:embed="rId8"/>
+                      <a:stretch>
+                        <a:fillRect/>
+                      </a:stretch>
+                    </p:blipFill>
+                    <p:spPr>
+                      <a:xfrm>
+                        <a:off x="1771822" y="431650"/>
+                        <a:ext cx="597839" cy="486668"/>
+                      </a:xfrm>
+                      <a:prstGeom prst="rect">
+                        <a:avLst/>
+                      </a:prstGeom>
+                    </p:spPr>
+                  </p:pic>
+                </p:oleObj>
+              </mc:Fallback>
+            </mc:AlternateContent>
+          </a:graphicData>
+        </a:graphic>
+      </p:graphicFrame>
     </p:spTree>
     <p:extLst>
       <p:ext uri="{BB962C8B-B14F-4D97-AF65-F5344CB8AC3E}">

--- a/IROS17/pictures/pdf/driftmoveFullRes.pptx
+++ b/IROS17/pictures/pdf/driftmoveFullRes.pptx
@@ -288,7 +288,7 @@
           <a:p>
             <a:fld id="{2ECC5DDF-89BA-FF4F-A8D3-F81D48191EB2}" type="datetimeFigureOut">
               <a:rPr lang="en-US" smtClean="0"/>
-              <a:t>2/25/17</a:t>
+              <a:t>3/2/17</a:t>
             </a:fld>
             <a:endParaRPr lang="en-US"/>
           </a:p>
@@ -458,7 +458,7 @@
           <a:p>
             <a:fld id="{2ECC5DDF-89BA-FF4F-A8D3-F81D48191EB2}" type="datetimeFigureOut">
               <a:rPr lang="en-US" smtClean="0"/>
-              <a:t>2/25/17</a:t>
+              <a:t>3/2/17</a:t>
             </a:fld>
             <a:endParaRPr lang="en-US"/>
           </a:p>
@@ -638,7 +638,7 @@
           <a:p>
             <a:fld id="{2ECC5DDF-89BA-FF4F-A8D3-F81D48191EB2}" type="datetimeFigureOut">
               <a:rPr lang="en-US" smtClean="0"/>
-              <a:t>2/25/17</a:t>
+              <a:t>3/2/17</a:t>
             </a:fld>
             <a:endParaRPr lang="en-US"/>
           </a:p>
@@ -808,7 +808,7 @@
           <a:p>
             <a:fld id="{2ECC5DDF-89BA-FF4F-A8D3-F81D48191EB2}" type="datetimeFigureOut">
               <a:rPr lang="en-US" smtClean="0"/>
-              <a:t>2/25/17</a:t>
+              <a:t>3/2/17</a:t>
             </a:fld>
             <a:endParaRPr lang="en-US"/>
           </a:p>
@@ -1054,7 +1054,7 @@
           <a:p>
             <a:fld id="{2ECC5DDF-89BA-FF4F-A8D3-F81D48191EB2}" type="datetimeFigureOut">
               <a:rPr lang="en-US" smtClean="0"/>
-              <a:t>2/25/17</a:t>
+              <a:t>3/2/17</a:t>
             </a:fld>
             <a:endParaRPr lang="en-US"/>
           </a:p>
@@ -1342,7 +1342,7 @@
           <a:p>
             <a:fld id="{2ECC5DDF-89BA-FF4F-A8D3-F81D48191EB2}" type="datetimeFigureOut">
               <a:rPr lang="en-US" smtClean="0"/>
-              <a:t>2/25/17</a:t>
+              <a:t>3/2/17</a:t>
             </a:fld>
             <a:endParaRPr lang="en-US"/>
           </a:p>
@@ -1764,7 +1764,7 @@
           <a:p>
             <a:fld id="{2ECC5DDF-89BA-FF4F-A8D3-F81D48191EB2}" type="datetimeFigureOut">
               <a:rPr lang="en-US" smtClean="0"/>
-              <a:t>2/25/17</a:t>
+              <a:t>3/2/17</a:t>
             </a:fld>
             <a:endParaRPr lang="en-US"/>
           </a:p>
@@ -1882,7 +1882,7 @@
           <a:p>
             <a:fld id="{2ECC5DDF-89BA-FF4F-A8D3-F81D48191EB2}" type="datetimeFigureOut">
               <a:rPr lang="en-US" smtClean="0"/>
-              <a:t>2/25/17</a:t>
+              <a:t>3/2/17</a:t>
             </a:fld>
             <a:endParaRPr lang="en-US"/>
           </a:p>
@@ -1977,7 +1977,7 @@
           <a:p>
             <a:fld id="{2ECC5DDF-89BA-FF4F-A8D3-F81D48191EB2}" type="datetimeFigureOut">
               <a:rPr lang="en-US" smtClean="0"/>
-              <a:t>2/25/17</a:t>
+              <a:t>3/2/17</a:t>
             </a:fld>
             <a:endParaRPr lang="en-US"/>
           </a:p>
@@ -2254,7 +2254,7 @@
           <a:p>
             <a:fld id="{2ECC5DDF-89BA-FF4F-A8D3-F81D48191EB2}" type="datetimeFigureOut">
               <a:rPr lang="en-US" smtClean="0"/>
-              <a:t>2/25/17</a:t>
+              <a:t>3/2/17</a:t>
             </a:fld>
             <a:endParaRPr lang="en-US"/>
           </a:p>
@@ -2507,7 +2507,7 @@
           <a:p>
             <a:fld id="{2ECC5DDF-89BA-FF4F-A8D3-F81D48191EB2}" type="datetimeFigureOut">
               <a:rPr lang="en-US" smtClean="0"/>
-              <a:t>2/25/17</a:t>
+              <a:t>3/2/17</a:t>
             </a:fld>
             <a:endParaRPr lang="en-US"/>
           </a:p>
@@ -2720,7 +2720,7 @@
           <a:p>
             <a:fld id="{2ECC5DDF-89BA-FF4F-A8D3-F81D48191EB2}" type="datetimeFigureOut">
               <a:rPr lang="en-US" smtClean="0"/>
-              <a:t>2/25/17</a:t>
+              <a:t>3/2/17</a:t>
             </a:fld>
             <a:endParaRPr lang="en-US"/>
           </a:p>
@@ -4389,12 +4389,12 @@
           <a:graphicData uri="http://schemas.openxmlformats.org/presentationml/2006/ole">
             <mc:AlternateContent xmlns:mc="http://schemas.openxmlformats.org/markup-compatibility/2006">
               <mc:Choice xmlns:v="urn:schemas-microsoft-com:vml" Requires="v">
-                <p:oleObj spid="_x0000_s1025" name="Document" r:id="rId3" imgW="9144000" imgH="7442200" progId="Word.Document.12">
+                <p:oleObj spid="_x0000_s1029" name="Document" r:id="rId4" imgW="9144000" imgH="7442200" progId="Word.Document.12">
                   <p:embed/>
                 </p:oleObj>
               </mc:Choice>
               <mc:Fallback>
-                <p:oleObj name="Document" r:id="rId3" imgW="9144000" imgH="7442200" progId="Word.Document.12">
+                <p:oleObj name="Document" r:id="rId4" imgW="9144000" imgH="7442200" progId="Word.Document.12">
                   <p:embed/>
                   <p:pic>
                     <p:nvPicPr>
@@ -4403,7 +4403,7 @@
                       <p:nvPr/>
                     </p:nvPicPr>
                     <p:blipFill>
-                      <a:blip r:embed="rId4"/>
+                      <a:blip r:embed="rId5"/>
                       <a:stretch>
                         <a:fillRect/>
                       </a:stretch>
@@ -4439,9 +4439,7 @@
             <a:avLst/>
           </a:prstGeom>
           <a:solidFill>
-            <a:schemeClr val="accent2">
-              <a:lumMod val="50000"/>
-            </a:schemeClr>
+            <a:srgbClr val="800000"/>
           </a:solidFill>
           <a:ln>
             <a:solidFill>
@@ -4496,12 +4494,12 @@
           <a:graphicData uri="http://schemas.openxmlformats.org/presentationml/2006/ole">
             <mc:AlternateContent xmlns:mc="http://schemas.openxmlformats.org/markup-compatibility/2006">
               <mc:Choice xmlns:v="urn:schemas-microsoft-com:vml" Requires="v">
-                <p:oleObj spid="_x0000_s1026" name="Document" r:id="rId5" imgW="9144000" imgH="7442200" progId="Word.Document.12">
+                <p:oleObj spid="_x0000_s1030" name="Document" r:id="rId7" imgW="9144000" imgH="7442200" progId="Word.Document.12">
                   <p:embed/>
                 </p:oleObj>
               </mc:Choice>
               <mc:Fallback>
-                <p:oleObj name="Document" r:id="rId5" imgW="9144000" imgH="7442200" progId="Word.Document.12">
+                <p:oleObj name="Document" r:id="rId7" imgW="9144000" imgH="7442200" progId="Word.Document.12">
                   <p:embed/>
                   <p:pic>
                     <p:nvPicPr>
@@ -4510,7 +4508,7 @@
                       <p:nvPr/>
                     </p:nvPicPr>
                     <p:blipFill>
-                      <a:blip r:embed="rId6"/>
+                      <a:blip r:embed="rId8"/>
                       <a:stretch>
                         <a:fillRect/>
                       </a:stretch>
@@ -4553,12 +4551,12 @@
           <a:graphicData uri="http://schemas.openxmlformats.org/presentationml/2006/ole">
             <mc:AlternateContent xmlns:mc="http://schemas.openxmlformats.org/markup-compatibility/2006">
               <mc:Choice xmlns:v="urn:schemas-microsoft-com:vml" Requires="v">
-                <p:oleObj spid="_x0000_s1027" name="Document" r:id="rId7" imgW="9144000" imgH="7442200" progId="Word.Document.12">
+                <p:oleObj spid="_x0000_s1031" name="Document" r:id="rId10" imgW="9144000" imgH="7442200" progId="Word.Document.12">
                   <p:embed/>
                 </p:oleObj>
               </mc:Choice>
               <mc:Fallback>
-                <p:oleObj name="Document" r:id="rId7" imgW="9144000" imgH="7442200" progId="Word.Document.12">
+                <p:oleObj name="Document" r:id="rId10" imgW="9144000" imgH="7442200" progId="Word.Document.12">
                   <p:embed/>
                   <p:pic>
                     <p:nvPicPr>
@@ -4567,7 +4565,7 @@
                       <p:nvPr/>
                     </p:nvPicPr>
                     <p:blipFill>
-                      <a:blip r:embed="rId8"/>
+                      <a:blip r:embed="rId11"/>
                       <a:stretch>
                         <a:fillRect/>
                       </a:stretch>
